--- a/Paper for ICECCS 2019/fig.pptx
+++ b/Paper for ICECCS 2019/fig.pptx
@@ -245,7 +245,7 @@
           <a:p>
             <a:fld id="{F1DEC1FD-F1E0-407C-AC5C-D83409521057}" type="datetimeFigureOut">
               <a:rPr lang="en-US" smtClean="0"/>
-              <a:t>4/11/2019</a:t>
+              <a:t>6/6/2019</a:t>
             </a:fld>
             <a:endParaRPr lang="en-US"/>
           </a:p>
@@ -415,7 +415,7 @@
           <a:p>
             <a:fld id="{F1DEC1FD-F1E0-407C-AC5C-D83409521057}" type="datetimeFigureOut">
               <a:rPr lang="en-US" smtClean="0"/>
-              <a:t>4/11/2019</a:t>
+              <a:t>6/6/2019</a:t>
             </a:fld>
             <a:endParaRPr lang="en-US"/>
           </a:p>
@@ -595,7 +595,7 @@
           <a:p>
             <a:fld id="{F1DEC1FD-F1E0-407C-AC5C-D83409521057}" type="datetimeFigureOut">
               <a:rPr lang="en-US" smtClean="0"/>
-              <a:t>4/11/2019</a:t>
+              <a:t>6/6/2019</a:t>
             </a:fld>
             <a:endParaRPr lang="en-US"/>
           </a:p>
@@ -765,7 +765,7 @@
           <a:p>
             <a:fld id="{F1DEC1FD-F1E0-407C-AC5C-D83409521057}" type="datetimeFigureOut">
               <a:rPr lang="en-US" smtClean="0"/>
-              <a:t>4/11/2019</a:t>
+              <a:t>6/6/2019</a:t>
             </a:fld>
             <a:endParaRPr lang="en-US"/>
           </a:p>
@@ -1011,7 +1011,7 @@
           <a:p>
             <a:fld id="{F1DEC1FD-F1E0-407C-AC5C-D83409521057}" type="datetimeFigureOut">
               <a:rPr lang="en-US" smtClean="0"/>
-              <a:t>4/11/2019</a:t>
+              <a:t>6/6/2019</a:t>
             </a:fld>
             <a:endParaRPr lang="en-US"/>
           </a:p>
@@ -1243,7 +1243,7 @@
           <a:p>
             <a:fld id="{F1DEC1FD-F1E0-407C-AC5C-D83409521057}" type="datetimeFigureOut">
               <a:rPr lang="en-US" smtClean="0"/>
-              <a:t>4/11/2019</a:t>
+              <a:t>6/6/2019</a:t>
             </a:fld>
             <a:endParaRPr lang="en-US"/>
           </a:p>
@@ -1610,7 +1610,7 @@
           <a:p>
             <a:fld id="{F1DEC1FD-F1E0-407C-AC5C-D83409521057}" type="datetimeFigureOut">
               <a:rPr lang="en-US" smtClean="0"/>
-              <a:t>4/11/2019</a:t>
+              <a:t>6/6/2019</a:t>
             </a:fld>
             <a:endParaRPr lang="en-US"/>
           </a:p>
@@ -1728,7 +1728,7 @@
           <a:p>
             <a:fld id="{F1DEC1FD-F1E0-407C-AC5C-D83409521057}" type="datetimeFigureOut">
               <a:rPr lang="en-US" smtClean="0"/>
-              <a:t>4/11/2019</a:t>
+              <a:t>6/6/2019</a:t>
             </a:fld>
             <a:endParaRPr lang="en-US"/>
           </a:p>
@@ -1823,7 +1823,7 @@
           <a:p>
             <a:fld id="{F1DEC1FD-F1E0-407C-AC5C-D83409521057}" type="datetimeFigureOut">
               <a:rPr lang="en-US" smtClean="0"/>
-              <a:t>4/11/2019</a:t>
+              <a:t>6/6/2019</a:t>
             </a:fld>
             <a:endParaRPr lang="en-US"/>
           </a:p>
@@ -2100,7 +2100,7 @@
           <a:p>
             <a:fld id="{F1DEC1FD-F1E0-407C-AC5C-D83409521057}" type="datetimeFigureOut">
               <a:rPr lang="en-US" smtClean="0"/>
-              <a:t>4/11/2019</a:t>
+              <a:t>6/6/2019</a:t>
             </a:fld>
             <a:endParaRPr lang="en-US"/>
           </a:p>
@@ -2353,7 +2353,7 @@
           <a:p>
             <a:fld id="{F1DEC1FD-F1E0-407C-AC5C-D83409521057}" type="datetimeFigureOut">
               <a:rPr lang="en-US" smtClean="0"/>
-              <a:t>4/11/2019</a:t>
+              <a:t>6/6/2019</a:t>
             </a:fld>
             <a:endParaRPr lang="en-US"/>
           </a:p>
@@ -2566,7 +2566,7 @@
           <a:p>
             <a:fld id="{F1DEC1FD-F1E0-407C-AC5C-D83409521057}" type="datetimeFigureOut">
               <a:rPr lang="en-US" smtClean="0"/>
-              <a:t>4/11/2019</a:t>
+              <a:t>6/6/2019</a:t>
             </a:fld>
             <a:endParaRPr lang="en-US"/>
           </a:p>
@@ -3971,7 +3971,6 @@
                   <a:rPr lang="en-US" altLang="zh-CN" sz="1100" dirty="0" smtClean="0"/>
                   <a:t>ALLOC</a:t>
                 </a:r>
-                <a:endParaRPr lang="en-US" altLang="zh-CN" sz="1100" dirty="0" smtClean="0"/>
               </a:p>
               <a:p>
                 <a:pPr algn="ctr"/>
@@ -7491,8 +7490,8 @@
                 <a:t>Block </a:t>
               </a:r>
               <a:r>
-                <a:rPr lang="en-US" dirty="0" err="1" smtClean="0"/>
-                <a:t>i</a:t>
+                <a:rPr lang="en-US" dirty="0"/>
+                <a:t>2</a:t>
               </a:r>
               <a:endParaRPr lang="en-US" dirty="0"/>
             </a:p>
@@ -8314,7 +8313,7 @@
         </p:nvGrpSpPr>
         <p:grpSpPr>
           <a:xfrm>
-            <a:off x="7281102" y="1555450"/>
+            <a:off x="7781286" y="1555450"/>
             <a:ext cx="1137403" cy="2675877"/>
             <a:chOff x="7281102" y="1555450"/>
             <a:chExt cx="1137403" cy="2675877"/>
@@ -9302,7 +9301,7 @@
         </p:nvSpPr>
         <p:spPr>
           <a:xfrm>
-            <a:off x="8418505" y="2245167"/>
+            <a:off x="8973397" y="2245167"/>
             <a:ext cx="975041" cy="738664"/>
           </a:xfrm>
           <a:prstGeom prst="rect">
@@ -9659,6 +9658,142 @@
               <a:t>n</a:t>
             </a:r>
             <a:endParaRPr lang="en-US" dirty="0"/>
+          </a:p>
+        </p:txBody>
+      </p:sp>
+      <p:sp>
+        <p:nvSpPr>
+          <p:cNvPr id="2" name="TextBox 1"/>
+          <p:cNvSpPr txBox="1"/>
+          <p:nvPr/>
+        </p:nvSpPr>
+        <p:spPr>
+          <a:xfrm>
+            <a:off x="7067971" y="1478620"/>
+            <a:ext cx="713315" cy="307777"/>
+          </a:xfrm>
+          <a:prstGeom prst="rect">
+            <a:avLst/>
+          </a:prstGeom>
+          <a:noFill/>
+        </p:spPr>
+        <p:txBody>
+          <a:bodyPr wrap="square" rtlCol="0">
+            <a:spAutoFit/>
+          </a:bodyPr>
+          <a:lstStyle/>
+          <a:p>
+            <a:r>
+              <a:rPr lang="en-US" sz="1400" dirty="0" smtClean="0"/>
+              <a:t>L</a:t>
+            </a:r>
+            <a:r>
+              <a:rPr lang="en-US" altLang="zh-CN" sz="1400" dirty="0" smtClean="0"/>
+              <a:t>evel 0</a:t>
+            </a:r>
+            <a:endParaRPr lang="en-US" sz="1400" dirty="0"/>
+          </a:p>
+        </p:txBody>
+      </p:sp>
+      <p:sp>
+        <p:nvSpPr>
+          <p:cNvPr id="61" name="TextBox 60"/>
+          <p:cNvSpPr txBox="1"/>
+          <p:nvPr/>
+        </p:nvSpPr>
+        <p:spPr>
+          <a:xfrm>
+            <a:off x="7067970" y="2302249"/>
+            <a:ext cx="713315" cy="307777"/>
+          </a:xfrm>
+          <a:prstGeom prst="rect">
+            <a:avLst/>
+          </a:prstGeom>
+          <a:noFill/>
+        </p:spPr>
+        <p:txBody>
+          <a:bodyPr wrap="square" rtlCol="0">
+            <a:spAutoFit/>
+          </a:bodyPr>
+          <a:lstStyle/>
+          <a:p>
+            <a:r>
+              <a:rPr lang="en-US" sz="1400" dirty="0" smtClean="0"/>
+              <a:t>L</a:t>
+            </a:r>
+            <a:r>
+              <a:rPr lang="en-US" altLang="zh-CN" sz="1400" dirty="0" smtClean="0"/>
+              <a:t>evel 1</a:t>
+            </a:r>
+            <a:endParaRPr lang="en-US" sz="1400" dirty="0"/>
+          </a:p>
+        </p:txBody>
+      </p:sp>
+      <p:sp>
+        <p:nvSpPr>
+          <p:cNvPr id="62" name="TextBox 61"/>
+          <p:cNvSpPr txBox="1"/>
+          <p:nvPr/>
+        </p:nvSpPr>
+        <p:spPr>
+          <a:xfrm>
+            <a:off x="7073737" y="3071446"/>
+            <a:ext cx="713315" cy="307777"/>
+          </a:xfrm>
+          <a:prstGeom prst="rect">
+            <a:avLst/>
+          </a:prstGeom>
+          <a:noFill/>
+        </p:spPr>
+        <p:txBody>
+          <a:bodyPr wrap="square" rtlCol="0">
+            <a:spAutoFit/>
+          </a:bodyPr>
+          <a:lstStyle/>
+          <a:p>
+            <a:r>
+              <a:rPr lang="en-US" sz="1400" dirty="0" smtClean="0"/>
+              <a:t>L</a:t>
+            </a:r>
+            <a:r>
+              <a:rPr lang="en-US" altLang="zh-CN" sz="1400" dirty="0" smtClean="0"/>
+              <a:t>evel 2</a:t>
+            </a:r>
+            <a:endParaRPr lang="en-US" sz="1400" dirty="0"/>
+          </a:p>
+        </p:txBody>
+      </p:sp>
+      <p:sp>
+        <p:nvSpPr>
+          <p:cNvPr id="64" name="TextBox 63"/>
+          <p:cNvSpPr txBox="1"/>
+          <p:nvPr/>
+        </p:nvSpPr>
+        <p:spPr>
+          <a:xfrm>
+            <a:off x="7065306" y="3984496"/>
+            <a:ext cx="713315" cy="307777"/>
+          </a:xfrm>
+          <a:prstGeom prst="rect">
+            <a:avLst/>
+          </a:prstGeom>
+          <a:noFill/>
+        </p:spPr>
+        <p:txBody>
+          <a:bodyPr wrap="square" rtlCol="0">
+            <a:spAutoFit/>
+          </a:bodyPr>
+          <a:lstStyle/>
+          <a:p>
+            <a:r>
+              <a:rPr lang="en-US" sz="1400" dirty="0" smtClean="0"/>
+              <a:t>L</a:t>
+            </a:r>
+            <a:r>
+              <a:rPr lang="en-US" altLang="zh-CN" sz="1400" dirty="0" smtClean="0"/>
+              <a:t>evel 3</a:t>
+            </a:r>
+            <a:endParaRPr lang="en-US" sz="1400" dirty="0"/>
           </a:p>
         </p:txBody>
       </p:sp>

--- a/Paper for ICECCS 2019/fig.pptx
+++ b/Paper for ICECCS 2019/fig.pptx
@@ -245,7 +245,7 @@
           <a:p>
             <a:fld id="{F1DEC1FD-F1E0-407C-AC5C-D83409521057}" type="datetimeFigureOut">
               <a:rPr lang="en-US" smtClean="0"/>
-              <a:t>6/6/2019</a:t>
+              <a:t>6/7/2019</a:t>
             </a:fld>
             <a:endParaRPr lang="en-US"/>
           </a:p>
@@ -415,7 +415,7 @@
           <a:p>
             <a:fld id="{F1DEC1FD-F1E0-407C-AC5C-D83409521057}" type="datetimeFigureOut">
               <a:rPr lang="en-US" smtClean="0"/>
-              <a:t>6/6/2019</a:t>
+              <a:t>6/7/2019</a:t>
             </a:fld>
             <a:endParaRPr lang="en-US"/>
           </a:p>
@@ -595,7 +595,7 @@
           <a:p>
             <a:fld id="{F1DEC1FD-F1E0-407C-AC5C-D83409521057}" type="datetimeFigureOut">
               <a:rPr lang="en-US" smtClean="0"/>
-              <a:t>6/6/2019</a:t>
+              <a:t>6/7/2019</a:t>
             </a:fld>
             <a:endParaRPr lang="en-US"/>
           </a:p>
@@ -765,7 +765,7 @@
           <a:p>
             <a:fld id="{F1DEC1FD-F1E0-407C-AC5C-D83409521057}" type="datetimeFigureOut">
               <a:rPr lang="en-US" smtClean="0"/>
-              <a:t>6/6/2019</a:t>
+              <a:t>6/7/2019</a:t>
             </a:fld>
             <a:endParaRPr lang="en-US"/>
           </a:p>
@@ -1011,7 +1011,7 @@
           <a:p>
             <a:fld id="{F1DEC1FD-F1E0-407C-AC5C-D83409521057}" type="datetimeFigureOut">
               <a:rPr lang="en-US" smtClean="0"/>
-              <a:t>6/6/2019</a:t>
+              <a:t>6/7/2019</a:t>
             </a:fld>
             <a:endParaRPr lang="en-US"/>
           </a:p>
@@ -1243,7 +1243,7 @@
           <a:p>
             <a:fld id="{F1DEC1FD-F1E0-407C-AC5C-D83409521057}" type="datetimeFigureOut">
               <a:rPr lang="en-US" smtClean="0"/>
-              <a:t>6/6/2019</a:t>
+              <a:t>6/7/2019</a:t>
             </a:fld>
             <a:endParaRPr lang="en-US"/>
           </a:p>
@@ -1610,7 +1610,7 @@
           <a:p>
             <a:fld id="{F1DEC1FD-F1E0-407C-AC5C-D83409521057}" type="datetimeFigureOut">
               <a:rPr lang="en-US" smtClean="0"/>
-              <a:t>6/6/2019</a:t>
+              <a:t>6/7/2019</a:t>
             </a:fld>
             <a:endParaRPr lang="en-US"/>
           </a:p>
@@ -1728,7 +1728,7 @@
           <a:p>
             <a:fld id="{F1DEC1FD-F1E0-407C-AC5C-D83409521057}" type="datetimeFigureOut">
               <a:rPr lang="en-US" smtClean="0"/>
-              <a:t>6/6/2019</a:t>
+              <a:t>6/7/2019</a:t>
             </a:fld>
             <a:endParaRPr lang="en-US"/>
           </a:p>
@@ -1823,7 +1823,7 @@
           <a:p>
             <a:fld id="{F1DEC1FD-F1E0-407C-AC5C-D83409521057}" type="datetimeFigureOut">
               <a:rPr lang="en-US" smtClean="0"/>
-              <a:t>6/6/2019</a:t>
+              <a:t>6/7/2019</a:t>
             </a:fld>
             <a:endParaRPr lang="en-US"/>
           </a:p>
@@ -2100,7 +2100,7 @@
           <a:p>
             <a:fld id="{F1DEC1FD-F1E0-407C-AC5C-D83409521057}" type="datetimeFigureOut">
               <a:rPr lang="en-US" smtClean="0"/>
-              <a:t>6/6/2019</a:t>
+              <a:t>6/7/2019</a:t>
             </a:fld>
             <a:endParaRPr lang="en-US"/>
           </a:p>
@@ -2353,7 +2353,7 @@
           <a:p>
             <a:fld id="{F1DEC1FD-F1E0-407C-AC5C-D83409521057}" type="datetimeFigureOut">
               <a:rPr lang="en-US" smtClean="0"/>
-              <a:t>6/6/2019</a:t>
+              <a:t>6/7/2019</a:t>
             </a:fld>
             <a:endParaRPr lang="en-US"/>
           </a:p>
@@ -2566,7 +2566,7 @@
           <a:p>
             <a:fld id="{F1DEC1FD-F1E0-407C-AC5C-D83409521057}" type="datetimeFigureOut">
               <a:rPr lang="en-US" smtClean="0"/>
-              <a:t>6/6/2019</a:t>
+              <a:t>6/7/2019</a:t>
             </a:fld>
             <a:endParaRPr lang="en-US"/>
           </a:p>
@@ -3080,8 +3080,8 @@
         </p:nvSpPr>
         <p:spPr>
           <a:xfrm>
-            <a:off x="2155292" y="2179658"/>
-            <a:ext cx="1078523" cy="738664"/>
+            <a:off x="1647826" y="2389218"/>
+            <a:ext cx="1585990" cy="307777"/>
           </a:xfrm>
           <a:prstGeom prst="rect">
             <a:avLst/>
@@ -3096,12 +3096,8 @@
           <a:p>
             <a:pPr algn="ctr"/>
             <a:r>
-              <a:rPr lang="en-US" sz="1400" dirty="0"/>
-              <a:t>t</a:t>
-            </a:r>
-            <a:r>
               <a:rPr lang="en-US" sz="1400" dirty="0" smtClean="0"/>
-              <a:t>he maximum level</a:t>
+              <a:t>maximum level (hl)</a:t>
             </a:r>
             <a:endParaRPr lang="en-US" sz="1400" dirty="0"/>
           </a:p>
@@ -3115,8 +3111,8 @@
         </p:nvSpPr>
         <p:spPr>
           <a:xfrm>
-            <a:off x="2155292" y="3866172"/>
-            <a:ext cx="1129633" cy="523220"/>
+            <a:off x="1828800" y="3953613"/>
+            <a:ext cx="1456125" cy="307777"/>
           </a:xfrm>
           <a:prstGeom prst="rect">
             <a:avLst/>
@@ -3132,11 +3128,11 @@
             <a:pPr algn="ctr"/>
             <a:r>
               <a:rPr lang="en-US" altLang="zh-CN" sz="1400" dirty="0" smtClean="0"/>
-              <a:t>the request </a:t>
+              <a:t>request </a:t>
             </a:r>
             <a:r>
               <a:rPr lang="en-US" sz="1400" dirty="0" smtClean="0"/>
-              <a:t>level</a:t>
+              <a:t>level (l)</a:t>
             </a:r>
             <a:endParaRPr lang="en-US" sz="1200" dirty="0"/>
           </a:p>
@@ -3248,9 +3244,9 @@
           <p:nvPr/>
         </p:nvCxnSpPr>
         <p:spPr>
-          <a:xfrm flipV="1">
-            <a:off x="3284925" y="4110834"/>
-            <a:ext cx="2929191" cy="16948"/>
+          <a:xfrm>
+            <a:off x="3284925" y="4107502"/>
+            <a:ext cx="2929191" cy="3332"/>
           </a:xfrm>
           <a:prstGeom prst="line">
             <a:avLst/>
@@ -7342,10 +7338,10 @@
         </p:nvGrpSpPr>
         <p:grpSpPr>
           <a:xfrm>
-            <a:off x="2571698" y="1456012"/>
-            <a:ext cx="4316930" cy="2866287"/>
-            <a:chOff x="3603329" y="1456012"/>
-            <a:chExt cx="4316930" cy="2866287"/>
+            <a:off x="2558998" y="1456012"/>
+            <a:ext cx="4329630" cy="2849607"/>
+            <a:chOff x="3590629" y="1456012"/>
+            <a:chExt cx="4329630" cy="2849607"/>
           </a:xfrm>
         </p:grpSpPr>
         <p:sp>
@@ -7493,7 +7489,6 @@
                 <a:rPr lang="en-US" dirty="0"/>
                 <a:t>2</a:t>
               </a:r>
-              <a:endParaRPr lang="en-US" dirty="0"/>
             </a:p>
           </p:txBody>
         </p:sp>
@@ -7536,6 +7531,10 @@
             <a:lstStyle/>
             <a:p>
               <a:pPr algn="ctr"/>
+              <a:r>
+                <a:rPr lang="en-US" dirty="0" smtClean="0"/>
+                <a:t>B3</a:t>
+              </a:r>
               <a:endParaRPr lang="en-US" dirty="0"/>
             </a:p>
           </p:txBody>
@@ -7548,8 +7547,8 @@
           </p:nvSpPr>
           <p:spPr>
             <a:xfrm>
-              <a:off x="3603329" y="3071446"/>
-              <a:ext cx="296163" cy="336062"/>
+              <a:off x="3590629" y="3071446"/>
+              <a:ext cx="379859" cy="336062"/>
             </a:xfrm>
             <a:prstGeom prst="roundRect">
               <a:avLst/>
@@ -7579,6 +7578,10 @@
             <a:lstStyle/>
             <a:p>
               <a:pPr algn="ctr"/>
+              <a:r>
+                <a:rPr lang="en-US" dirty="0" smtClean="0"/>
+                <a:t>5</a:t>
+              </a:r>
               <a:endParaRPr lang="en-US" dirty="0"/>
             </a:p>
           </p:txBody>
@@ -7622,6 +7625,10 @@
             <a:lstStyle/>
             <a:p>
               <a:pPr algn="ctr"/>
+              <a:r>
+                <a:rPr lang="en-US" dirty="0" smtClean="0"/>
+                <a:t>B4</a:t>
+              </a:r>
               <a:endParaRPr lang="en-US" dirty="0"/>
             </a:p>
           </p:txBody>
@@ -7634,8 +7641,8 @@
           </p:nvSpPr>
           <p:spPr>
             <a:xfrm>
-              <a:off x="4107087" y="3071446"/>
-              <a:ext cx="296163" cy="336062"/>
+              <a:off x="4068987" y="3071446"/>
+              <a:ext cx="391064" cy="336062"/>
             </a:xfrm>
             <a:prstGeom prst="roundRect">
               <a:avLst/>
@@ -7667,6 +7674,10 @@
             <a:lstStyle/>
             <a:p>
               <a:pPr algn="ctr"/>
+              <a:r>
+                <a:rPr lang="en-US" dirty="0" smtClean="0"/>
+                <a:t>6</a:t>
+              </a:r>
               <a:endParaRPr lang="en-US" dirty="0"/>
             </a:p>
           </p:txBody>
@@ -7679,8 +7690,8 @@
           </p:nvSpPr>
           <p:spPr>
             <a:xfrm>
-              <a:off x="4572178" y="3071446"/>
-              <a:ext cx="296163" cy="336062"/>
+              <a:off x="4552548" y="3071446"/>
+              <a:ext cx="382373" cy="336062"/>
             </a:xfrm>
             <a:prstGeom prst="roundRect">
               <a:avLst/>
@@ -7710,6 +7721,10 @@
             <a:lstStyle/>
             <a:p>
               <a:pPr algn="ctr"/>
+              <a:r>
+                <a:rPr lang="en-US" dirty="0" smtClean="0"/>
+                <a:t>7</a:t>
+              </a:r>
               <a:endParaRPr lang="en-US" dirty="0"/>
             </a:p>
           </p:txBody>
@@ -7722,8 +7737,8 @@
           </p:nvSpPr>
           <p:spPr>
             <a:xfrm>
-              <a:off x="5050764" y="3071446"/>
-              <a:ext cx="296163" cy="336062"/>
+              <a:off x="5033420" y="3071446"/>
+              <a:ext cx="389933" cy="336062"/>
             </a:xfrm>
             <a:prstGeom prst="roundRect">
               <a:avLst/>
@@ -7755,6 +7770,10 @@
             <a:lstStyle/>
             <a:p>
               <a:pPr algn="ctr"/>
+              <a:r>
+                <a:rPr lang="en-US" dirty="0" smtClean="0"/>
+                <a:t>8</a:t>
+              </a:r>
               <a:endParaRPr lang="en-US" dirty="0"/>
             </a:p>
           </p:txBody>
@@ -7767,8 +7786,8 @@
           </p:nvSpPr>
           <p:spPr>
             <a:xfrm>
-              <a:off x="4311991" y="3986237"/>
-              <a:ext cx="296163" cy="336062"/>
+              <a:off x="4321345" y="3969557"/>
+              <a:ext cx="373325" cy="336062"/>
             </a:xfrm>
             <a:prstGeom prst="roundRect">
               <a:avLst/>
@@ -7798,6 +7817,10 @@
             <a:lstStyle/>
             <a:p>
               <a:pPr algn="ctr"/>
+              <a:r>
+                <a:rPr lang="en-US" dirty="0" smtClean="0"/>
+                <a:t>9</a:t>
+              </a:r>
               <a:endParaRPr lang="en-US" dirty="0"/>
             </a:p>
           </p:txBody>
@@ -7810,8 +7833,8 @@
           </p:nvSpPr>
           <p:spPr>
             <a:xfrm>
-              <a:off x="4783351" y="3986237"/>
-              <a:ext cx="296163" cy="336062"/>
+              <a:off x="4777800" y="3969557"/>
+              <a:ext cx="387681" cy="336062"/>
             </a:xfrm>
             <a:prstGeom prst="roundRect">
               <a:avLst/>
@@ -7843,7 +7866,11 @@
             <a:lstStyle/>
             <a:p>
               <a:pPr algn="ctr"/>
-              <a:endParaRPr lang="en-US" dirty="0"/>
+              <a:r>
+                <a:rPr lang="en-US" sz="1200" dirty="0" smtClean="0"/>
+                <a:t>10</a:t>
+              </a:r>
+              <a:endParaRPr lang="en-US" sz="1200" dirty="0"/>
             </a:p>
           </p:txBody>
         </p:sp>
@@ -7924,8 +7951,8 @@
           </p:nvCxnSpPr>
           <p:spPr>
             <a:xfrm flipH="1">
-              <a:off x="3751411" y="2638311"/>
-              <a:ext cx="267915" cy="433135"/>
+              <a:off x="3780559" y="2638311"/>
+              <a:ext cx="238767" cy="433135"/>
             </a:xfrm>
             <a:prstGeom prst="line">
               <a:avLst/>
@@ -7958,7 +7985,7 @@
           <p:spPr>
             <a:xfrm>
               <a:off x="4019326" y="2638311"/>
-              <a:ext cx="235843" cy="433135"/>
+              <a:ext cx="245193" cy="433135"/>
             </a:xfrm>
             <a:prstGeom prst="line">
               <a:avLst/>
@@ -7990,8 +8017,8 @@
           </p:nvCxnSpPr>
           <p:spPr>
             <a:xfrm flipH="1">
-              <a:off x="4720260" y="2638311"/>
-              <a:ext cx="259948" cy="433135"/>
+              <a:off x="4743735" y="2638311"/>
+              <a:ext cx="236473" cy="433135"/>
             </a:xfrm>
             <a:prstGeom prst="line">
               <a:avLst/>
@@ -8024,7 +8051,7 @@
           <p:spPr>
             <a:xfrm>
               <a:off x="4980208" y="2638311"/>
-              <a:ext cx="218638" cy="433135"/>
+              <a:ext cx="248179" cy="433135"/>
             </a:xfrm>
             <a:prstGeom prst="line">
               <a:avLst/>
@@ -8056,8 +8083,8 @@
           </p:nvCxnSpPr>
           <p:spPr>
             <a:xfrm flipH="1">
-              <a:off x="4460073" y="3407508"/>
-              <a:ext cx="260187" cy="578729"/>
+              <a:off x="4508008" y="3407508"/>
+              <a:ext cx="235727" cy="562049"/>
             </a:xfrm>
             <a:prstGeom prst="line">
               <a:avLst/>
@@ -8089,8 +8116,8 @@
           </p:nvCxnSpPr>
           <p:spPr>
             <a:xfrm>
-              <a:off x="4720260" y="3407508"/>
-              <a:ext cx="211173" cy="578729"/>
+              <a:off x="4743735" y="3407508"/>
+              <a:ext cx="227906" cy="562049"/>
             </a:xfrm>
             <a:prstGeom prst="line">
               <a:avLst/>
@@ -8201,11 +8228,11 @@
         <p:spPr>
           <a:xfrm>
             <a:off x="2160802" y="2285529"/>
-            <a:ext cx="1062736" cy="1121979"/>
+            <a:ext cx="1072086" cy="1121979"/>
           </a:xfrm>
           <a:prstGeom prst="curvedConnector4">
             <a:avLst>
-              <a:gd name="adj1" fmla="val 23315"/>
+              <a:gd name="adj1" fmla="val 18373"/>
               <a:gd name="adj2" fmla="val 120375"/>
             </a:avLst>
           </a:prstGeom>
@@ -8239,8 +8266,8 @@
         </p:nvCxnSpPr>
         <p:spPr>
           <a:xfrm rot="16200000" flipH="1">
-            <a:off x="3695376" y="2935669"/>
-            <a:ext cx="12700" cy="943677"/>
+            <a:off x="3714822" y="2925574"/>
+            <a:ext cx="12700" cy="963868"/>
           </a:xfrm>
           <a:prstGeom prst="curvedConnector3">
             <a:avLst>
@@ -8278,12 +8305,12 @@
         <p:spPr>
           <a:xfrm>
             <a:off x="2160802" y="2614499"/>
-            <a:ext cx="1739000" cy="1707800"/>
+            <a:ext cx="1779208" cy="1691120"/>
           </a:xfrm>
           <a:prstGeom prst="curvedConnector4">
             <a:avLst>
-              <a:gd name="adj1" fmla="val 10140"/>
-              <a:gd name="adj2" fmla="val 105857"/>
+              <a:gd name="adj1" fmla="val 7435"/>
+              <a:gd name="adj2" fmla="val 110139"/>
             </a:avLst>
           </a:prstGeom>
           <a:ln>
